--- a/BOB_Automated_cheque_processing_TeamSpiderMan.pptx
+++ b/BOB_Automated_cheque_processing_TeamSpiderMan.pptx
@@ -298,7 +298,7 @@
       <p15:sldGuideLst xmlns:p15="http://schemas.microsoft.com/office/powerpoint/2012/main"/>
     </p:ext>
     <p:ext uri="http://customooxmlschemas.google.com/">
-      <go:slidesCustomData xmlns:go="http://customooxmlschemas.google.com/" xmlns:ahyp="http://schemas.microsoft.com/office/drawing/2018/hyperlinkcolor" xmlns:p15="http://schemas.microsoft.com/office/powerpoint/2012/main" xmlns:p14="http://schemas.microsoft.com/office/powerpoint/2010/main" xmlns:com="http://schemas.openxmlformats.org/drawingml/2006/compatibility" xmlns:pvml="urn:schemas-microsoft-com:office:powerpoint" xmlns:v="urn:schemas-microsoft-com:vml" xmlns:o="urn:schemas-microsoft-com:office:office" xmlns:dgm="http://schemas.openxmlformats.org/drawingml/2006/diagram" xmlns:c="http://schemas.openxmlformats.org/drawingml/2006/chart" xmlns:mv="urn:schemas-microsoft-com:mac:vml" xmlns:mc="http://schemas.openxmlformats.org/markup-compatibility/2006" xmlns="" r:id="rId36" roundtripDataSignature="AMtx7mg4ID0MW+58A5oAZz0iuzSAYbU9/A=="/>
+      <go:slidesCustomData xmlns="" xmlns:mc="http://schemas.openxmlformats.org/markup-compatibility/2006" xmlns:mv="urn:schemas-microsoft-com:mac:vml" xmlns:c="http://schemas.openxmlformats.org/drawingml/2006/chart" xmlns:dgm="http://schemas.openxmlformats.org/drawingml/2006/diagram" xmlns:o="urn:schemas-microsoft-com:office:office" xmlns:v="urn:schemas-microsoft-com:vml" xmlns:pvml="urn:schemas-microsoft-com:office:powerpoint" xmlns:com="http://schemas.openxmlformats.org/drawingml/2006/compatibility" xmlns:p14="http://schemas.microsoft.com/office/powerpoint/2010/main" xmlns:p15="http://schemas.microsoft.com/office/powerpoint/2012/main" xmlns:ahyp="http://schemas.microsoft.com/office/drawing/2018/hyperlinkcolor" xmlns:go="http://customooxmlschemas.google.com/" r:id="rId36" roundtripDataSignature="AMtx7mg4ID0MW+58A5oAZz0iuzSAYbU9/A=="/>
     </p:ext>
   </p:extLst>
 </p:presentation>
@@ -36246,7 +36246,7 @@
               <a:rPr lang="en-US" dirty="0">
                 <a:latin typeface="Bahnschrift Light" panose="020B0502040204020203" pitchFamily="34" charset="0"/>
               </a:rPr>
-              <a:t>I am a Senior solution Architect with experience in the deployment of similar solutions in multiple enterprises, and Abhishek Ojha is a very efficient senior developer with skill in multiple cloud environments and programming languages.</a:t>
+              <a:t>I am a Senior Solution Architect with experience in the deployment of similar solutions in multiple enterprises and Abhishek Ojha is a very efficient senior developer skilled in multiple cloud environments and programming languages.</a:t>
             </a:r>
           </a:p>
           <a:p>
@@ -37452,25 +37452,7 @@
                 </a:solidFill>
                 <a:latin typeface="Bahnschrift Light" panose="020B0502040204020203" pitchFamily="34" charset="0"/>
               </a:rPr>
-              <a:t>It is a negotiable instrument that can be endorsed in </a:t>
-            </a:r>
-            <a:r>
-              <a:rPr lang="en-US" sz="1000" dirty="0" err="1">
-                <a:solidFill>
-                  <a:srgbClr val="636E89"/>
-                </a:solidFill>
-                <a:latin typeface="Bahnschrift Light" panose="020B0502040204020203" pitchFamily="34" charset="0"/>
-              </a:rPr>
-              <a:t>favour</a:t>
-            </a:r>
-            <a:r>
-              <a:rPr lang="en-US" sz="1000" dirty="0">
-                <a:solidFill>
-                  <a:srgbClr val="636E89"/>
-                </a:solidFill>
-                <a:latin typeface="Bahnschrift Light" panose="020B0502040204020203" pitchFamily="34" charset="0"/>
-              </a:rPr>
-              <a:t> of a third party. They can be easily traced if lost.</a:t>
+              <a:t>It is a negotiable instrument that can be endorsed in favor of a third party. They can be easily traced if lost.</a:t>
             </a:r>
             <a:endParaRPr lang="en" sz="1000" dirty="0">
               <a:solidFill>
@@ -37575,72 +37557,13 @@
               <a:buSzPts val="1400"/>
             </a:pPr>
             <a:r>
-              <a:rPr lang="en-US" sz="1000">
+              <a:rPr lang="en-US" sz="1000" dirty="0">
                 <a:solidFill>
                   <a:srgbClr val="636E89"/>
                 </a:solidFill>
                 <a:latin typeface="Bahnschrift Light" panose="020B0502040204020203" pitchFamily="34" charset="0"/>
               </a:rPr>
-              <a:t>Positive Pay </a:t>
-            </a:r>
-            <a:r>
-              <a:rPr lang="en-US" sz="1000" dirty="0">
-                <a:solidFill>
-                  <a:srgbClr val="636E89"/>
-                </a:solidFill>
-                <a:latin typeface="Bahnschrift Light" panose="020B0502040204020203" pitchFamily="34" charset="0"/>
-              </a:rPr>
-              <a:t>system augments </a:t>
-            </a:r>
-            <a:r>
-              <a:rPr lang="en-US" sz="1000" dirty="0">
-                <a:solidFill>
-                  <a:srgbClr val="636E89"/>
-                </a:solidFill>
-                <a:latin typeface="Bahnschrift Light" panose="020B0502040204020203" pitchFamily="34" charset="0"/>
-                <a:hlinkClick r:id="rId3">
-                  <a:extLst>
-                    <a:ext uri="{A12FA001-AC4F-418D-AE19-62706E023703}">
-                      <ahyp:hlinkClr xmlns:ahyp="http://schemas.microsoft.com/office/drawing/2018/hyperlinkcolor" val="tx"/>
-                    </a:ext>
-                  </a:extLst>
-                </a:hlinkClick>
-              </a:rPr>
-              <a:t>customer</a:t>
-            </a:r>
-            <a:r>
-              <a:rPr lang="en-US" sz="1000" dirty="0">
-                <a:solidFill>
-                  <a:srgbClr val="636E89"/>
-                </a:solidFill>
-                <a:latin typeface="Bahnschrift Light" panose="020B0502040204020203" pitchFamily="34" charset="0"/>
-              </a:rPr>
-              <a:t> safety in cheque payments and reduce instances of </a:t>
-            </a:r>
-            <a:r>
-              <a:rPr lang="en-US" sz="1000" dirty="0">
-                <a:solidFill>
-                  <a:srgbClr val="636E89"/>
-                </a:solidFill>
-                <a:latin typeface="Bahnschrift Light" panose="020B0502040204020203" pitchFamily="34" charset="0"/>
-                <a:hlinkClick r:id="rId4">
-                  <a:extLst>
-                    <a:ext uri="{A12FA001-AC4F-418D-AE19-62706E023703}">
-                      <ahyp:hlinkClr xmlns:ahyp="http://schemas.microsoft.com/office/drawing/2018/hyperlinkcolor" val="tx"/>
-                    </a:ext>
-                  </a:extLst>
-                </a:hlinkClick>
-              </a:rPr>
-              <a:t>fraud</a:t>
-            </a:r>
-            <a:r>
-              <a:rPr lang="en-US" sz="1000" dirty="0">
-                <a:solidFill>
-                  <a:srgbClr val="636E89"/>
-                </a:solidFill>
-                <a:latin typeface="Bahnschrift Light" panose="020B0502040204020203" pitchFamily="34" charset="0"/>
-              </a:rPr>
-              <a:t> occurring due to tampering</a:t>
+              <a:t>Positive Pay system augments customer safety in cheque payments and reduce instances of fraud occurring due to tampering</a:t>
             </a:r>
             <a:r>
               <a:rPr lang="en-US" sz="1100" b="0" i="0" dirty="0">
